--- a/noble-eigen-ninjas.pptx
+++ b/noble-eigen-ninjas.pptx
@@ -231,7 +231,7 @@
             <a:pPr rtl="0"/>
             <a:fld id="{8F28AB76-B240-4EB5-BBB8-1585E350B0EB}" type="datetime1">
               <a:rPr lang="en-GB" smtClean="0"/>
-              <a:t>12/12/2025</a:t>
+              <a:t>14/12/2025</a:t>
             </a:fld>
             <a:endParaRPr lang="en-GB"/>
           </a:p>
@@ -401,7 +401,7 @@
             <a:pPr rtl="0"/>
             <a:fld id="{E254F394-CA94-44AB-AA5C-030F15B3DF9F}" type="datetime1">
               <a:rPr lang="en-GB" noProof="0" smtClean="0"/>
-              <a:t>12/12/2025</a:t>
+              <a:t>14/12/2025</a:t>
             </a:fld>
             <a:endParaRPr lang="en-GB" noProof="0"/>
           </a:p>
@@ -2699,7 +2699,7 @@
             <a:pPr rtl="0"/>
             <a:fld id="{520D413B-D766-4408-A8E4-D0943F95F6A1}" type="datetime1">
               <a:rPr lang="en-GB" noProof="0" smtClean="0"/>
-              <a:t>12/12/2025</a:t>
+              <a:t>14/12/2025</a:t>
             </a:fld>
             <a:endParaRPr lang="en-GB" noProof="0"/>
           </a:p>
@@ -2998,7 +2998,7 @@
             <a:pPr rtl="0"/>
             <a:fld id="{844ABC67-7F5E-4178-9DFA-02F5BA36DBD3}" type="datetime1">
               <a:rPr lang="en-GB" noProof="0" smtClean="0"/>
-              <a:t>12/12/2025</a:t>
+              <a:t>14/12/2025</a:t>
             </a:fld>
             <a:endParaRPr lang="en-GB" noProof="0"/>
           </a:p>
@@ -3184,7 +3184,7 @@
             <a:pPr rtl="0"/>
             <a:fld id="{AAAFE8D9-1727-42D1-B2C4-F4FCDE24444F}" type="datetime1">
               <a:rPr lang="en-GB" noProof="0" smtClean="0"/>
-              <a:t>12/12/2025</a:t>
+              <a:t>14/12/2025</a:t>
             </a:fld>
             <a:endParaRPr lang="en-GB" noProof="0"/>
           </a:p>
@@ -3380,7 +3380,7 @@
             <a:pPr rtl="0"/>
             <a:fld id="{5FF0FE9A-6841-4A36-9540-864C6A1F3EBE}" type="datetime1">
               <a:rPr lang="en-GB" noProof="0" smtClean="0"/>
-              <a:t>12/12/2025</a:t>
+              <a:t>14/12/2025</a:t>
             </a:fld>
             <a:endParaRPr lang="en-GB" noProof="0"/>
           </a:p>
@@ -3653,7 +3653,7 @@
             <a:pPr rtl="0"/>
             <a:fld id="{9777120A-BC0F-4DD5-9E46-BB9C1EFA7416}" type="datetime1">
               <a:rPr lang="en-GB" noProof="0" smtClean="0"/>
-              <a:t>12/12/2025</a:t>
+              <a:t>14/12/2025</a:t>
             </a:fld>
             <a:endParaRPr lang="en-GB" noProof="0"/>
           </a:p>
@@ -4689,7 +4689,7 @@
             <a:pPr rtl="0"/>
             <a:fld id="{8E899421-673F-4CCD-A44F-8F8B5E53A971}" type="datetime1">
               <a:rPr lang="en-GB" noProof="0" smtClean="0"/>
-              <a:t>12/12/2025</a:t>
+              <a:t>14/12/2025</a:t>
             </a:fld>
             <a:endParaRPr lang="en-GB" noProof="0"/>
           </a:p>
@@ -4966,7 +4966,7 @@
             <a:pPr rtl="0"/>
             <a:fld id="{CCDFEFAA-F37E-4197-82A3-46DA1629A2E1}" type="datetime1">
               <a:rPr lang="en-GB" noProof="0" smtClean="0"/>
-              <a:t>12/12/2025</a:t>
+              <a:t>14/12/2025</a:t>
             </a:fld>
             <a:endParaRPr lang="en-GB" noProof="0"/>
           </a:p>
@@ -5350,7 +5350,7 @@
             <a:pPr rtl="0"/>
             <a:fld id="{6818E844-891C-40D1-97EA-9B7B72C7EA69}" type="datetime1">
               <a:rPr lang="en-GB" noProof="0" smtClean="0"/>
-              <a:t>12/12/2025</a:t>
+              <a:t>14/12/2025</a:t>
             </a:fld>
             <a:endParaRPr lang="en-GB" noProof="0"/>
           </a:p>
@@ -5484,7 +5484,7 @@
             <a:pPr rtl="0"/>
             <a:fld id="{64E1ADA3-2D10-4D19-9D01-17EEDB2CF09C}" type="datetime1">
               <a:rPr lang="en-GB" noProof="0" smtClean="0"/>
-              <a:t>12/12/2025</a:t>
+              <a:t>14/12/2025</a:t>
             </a:fld>
             <a:endParaRPr lang="en-GB" noProof="0"/>
           </a:p>
@@ -5594,7 +5594,7 @@
             <a:pPr rtl="0"/>
             <a:fld id="{7B1607E5-5283-43B8-A7FC-26C1F3C9FF56}" type="datetime1">
               <a:rPr lang="en-GB" noProof="0" smtClean="0"/>
-              <a:t>12/12/2025</a:t>
+              <a:t>14/12/2025</a:t>
             </a:fld>
             <a:endParaRPr lang="en-GB" noProof="0"/>
           </a:p>
@@ -5889,7 +5889,7 @@
             <a:pPr rtl="0"/>
             <a:fld id="{C181A209-F933-43E2-BD0A-1CB83143268B}" type="datetime1">
               <a:rPr lang="en-GB" noProof="0" smtClean="0"/>
-              <a:t>12/12/2025</a:t>
+              <a:t>14/12/2025</a:t>
             </a:fld>
             <a:endParaRPr lang="en-GB" noProof="0"/>
           </a:p>
@@ -6145,7 +6145,7 @@
             <a:pPr rtl="0"/>
             <a:fld id="{6BC1B948-4E86-4900-BCE2-2386EC9BC47E}" type="datetime1">
               <a:rPr lang="en-GB" noProof="0" smtClean="0"/>
-              <a:t>12/12/2025</a:t>
+              <a:t>14/12/2025</a:t>
             </a:fld>
             <a:endParaRPr lang="en-GB" noProof="0"/>
           </a:p>
@@ -6803,7 +6803,7 @@
                 <a:latin typeface="Times New Roman" panose="02020603050405020304" pitchFamily="18" charset="0"/>
                 <a:cs typeface="Times New Roman" panose="02020603050405020304" pitchFamily="18" charset="0"/>
               </a:rPr>
-              <a:t>Delafu</a:t>
+              <a:t>Dalafu</a:t>
             </a:r>
             <a:endParaRPr lang="en-GB" sz="2400" b="1" dirty="0">
               <a:solidFill>
@@ -6924,8 +6924,8 @@
           </a:p>
         </p:txBody>
       </p:sp>
-      <mc:AlternateContent xmlns:mc="http://schemas.openxmlformats.org/markup-compatibility/2006">
-        <mc:Choice xmlns:a14="http://schemas.microsoft.com/office/drawing/2010/main" Requires="a14">
+      <mc:AlternateContent xmlns:mc="http://schemas.openxmlformats.org/markup-compatibility/2006" xmlns:a14="http://schemas.microsoft.com/office/drawing/2010/main">
+        <mc:Choice Requires="a14">
           <p:sp>
             <p:nvSpPr>
               <p:cNvPr id="7" name="TextBox 6">
@@ -7683,7 +7683,7 @@
             </p:txBody>
           </p:sp>
         </mc:Choice>
-        <mc:Fallback>
+        <mc:Fallback xmlns="">
           <p:sp>
             <p:nvSpPr>
               <p:cNvPr id="7" name="TextBox 6">
@@ -7738,13 +7738,13 @@
   <p:clrMapOvr>
     <a:masterClrMapping/>
   </p:clrMapOvr>
-  <mc:AlternateContent xmlns:mc="http://schemas.openxmlformats.org/markup-compatibility/2006">
-    <mc:Choice xmlns:p14="http://schemas.microsoft.com/office/powerpoint/2010/main" Requires="p14">
+  <mc:AlternateContent xmlns:mc="http://schemas.openxmlformats.org/markup-compatibility/2006" xmlns:p14="http://schemas.microsoft.com/office/powerpoint/2010/main">
+    <mc:Choice Requires="p14">
       <p:transition spd="med" p14:dur="700">
         <p:fade/>
       </p:transition>
     </mc:Choice>
-    <mc:Fallback>
+    <mc:Fallback xmlns="">
       <p:transition spd="med">
         <p:fade/>
       </p:transition>
@@ -7805,8 +7805,8 @@
           </a:p>
         </p:txBody>
       </p:sp>
-      <mc:AlternateContent xmlns:mc="http://schemas.openxmlformats.org/markup-compatibility/2006">
-        <mc:Choice xmlns:a14="http://schemas.microsoft.com/office/drawing/2010/main" Requires="a14">
+      <mc:AlternateContent xmlns:mc="http://schemas.openxmlformats.org/markup-compatibility/2006" xmlns:a14="http://schemas.microsoft.com/office/drawing/2010/main">
+        <mc:Choice Requires="a14">
           <p:sp>
             <p:nvSpPr>
               <p:cNvPr id="7" name="TextBox 6">
@@ -8385,7 +8385,7 @@
             </p:txBody>
           </p:sp>
         </mc:Choice>
-        <mc:Fallback>
+        <mc:Fallback xmlns="">
           <p:sp>
             <p:nvSpPr>
               <p:cNvPr id="7" name="TextBox 6">
@@ -8440,13 +8440,13 @@
   <p:clrMapOvr>
     <a:masterClrMapping/>
   </p:clrMapOvr>
-  <mc:AlternateContent xmlns:mc="http://schemas.openxmlformats.org/markup-compatibility/2006">
-    <mc:Choice xmlns:p14="http://schemas.microsoft.com/office/powerpoint/2010/main" Requires="p14">
+  <mc:AlternateContent xmlns:mc="http://schemas.openxmlformats.org/markup-compatibility/2006" xmlns:p14="http://schemas.microsoft.com/office/powerpoint/2010/main">
+    <mc:Choice Requires="p14">
       <p:transition spd="med" p14:dur="700">
         <p:fade/>
       </p:transition>
     </mc:Choice>
-    <mc:Fallback>
+    <mc:Fallback xmlns="">
       <p:transition spd="med">
         <p:fade/>
       </p:transition>
@@ -8586,13 +8586,13 @@
   <p:clrMapOvr>
     <a:masterClrMapping/>
   </p:clrMapOvr>
-  <mc:AlternateContent xmlns:mc="http://schemas.openxmlformats.org/markup-compatibility/2006">
-    <mc:Choice xmlns:p14="http://schemas.microsoft.com/office/powerpoint/2010/main" Requires="p14">
+  <mc:AlternateContent xmlns:mc="http://schemas.openxmlformats.org/markup-compatibility/2006" xmlns:p14="http://schemas.microsoft.com/office/powerpoint/2010/main">
+    <mc:Choice Requires="p14">
       <p:transition spd="med" p14:dur="700">
         <p:fade/>
       </p:transition>
     </mc:Choice>
-    <mc:Fallback>
+    <mc:Fallback xmlns="">
       <p:transition spd="med">
         <p:fade/>
       </p:transition>
@@ -9812,8 +9812,8 @@
           </a:graphicData>
         </a:graphic>
       </p:graphicFrame>
-      <mc:AlternateContent xmlns:mc="http://schemas.openxmlformats.org/markup-compatibility/2006">
-        <mc:Choice xmlns:a14="http://schemas.microsoft.com/office/drawing/2010/main" Requires="a14">
+      <mc:AlternateContent xmlns:mc="http://schemas.openxmlformats.org/markup-compatibility/2006" xmlns:a14="http://schemas.microsoft.com/office/drawing/2010/main">
+        <mc:Choice Requires="a14">
           <p:sp>
             <p:nvSpPr>
               <p:cNvPr id="17" name="TextBox 16">
@@ -9901,7 +9901,7 @@
             </p:txBody>
           </p:sp>
         </mc:Choice>
-        <mc:Fallback>
+        <mc:Fallback xmlns="">
           <p:sp>
             <p:nvSpPr>
               <p:cNvPr id="17" name="TextBox 16">
@@ -10095,13 +10095,13 @@
   <p:clrMapOvr>
     <a:masterClrMapping/>
   </p:clrMapOvr>
-  <mc:AlternateContent xmlns:mc="http://schemas.openxmlformats.org/markup-compatibility/2006">
-    <mc:Choice xmlns:p14="http://schemas.microsoft.com/office/powerpoint/2010/main" Requires="p14">
+  <mc:AlternateContent xmlns:mc="http://schemas.openxmlformats.org/markup-compatibility/2006" xmlns:p14="http://schemas.microsoft.com/office/powerpoint/2010/main">
+    <mc:Choice Requires="p14">
       <p:transition spd="med" p14:dur="700">
         <p:fade/>
       </p:transition>
     </mc:Choice>
-    <mc:Fallback>
+    <mc:Fallback xmlns="">
       <p:transition spd="med">
         <p:fade/>
       </p:transition>
@@ -10491,13 +10491,13 @@
   <p:clrMapOvr>
     <a:masterClrMapping/>
   </p:clrMapOvr>
-  <mc:AlternateContent xmlns:mc="http://schemas.openxmlformats.org/markup-compatibility/2006">
-    <mc:Choice xmlns:p14="http://schemas.microsoft.com/office/powerpoint/2010/main" Requires="p14">
+  <mc:AlternateContent xmlns:mc="http://schemas.openxmlformats.org/markup-compatibility/2006" xmlns:p14="http://schemas.microsoft.com/office/powerpoint/2010/main">
+    <mc:Choice Requires="p14">
       <p:transition spd="med" p14:dur="700">
         <p:fade/>
       </p:transition>
     </mc:Choice>
-    <mc:Fallback>
+    <mc:Fallback xmlns="">
       <p:transition spd="med">
         <p:fade/>
       </p:transition>
@@ -10964,13 +10964,13 @@
   <p:clrMapOvr>
     <a:masterClrMapping/>
   </p:clrMapOvr>
-  <mc:AlternateContent xmlns:mc="http://schemas.openxmlformats.org/markup-compatibility/2006">
-    <mc:Choice xmlns:p14="http://schemas.microsoft.com/office/powerpoint/2010/main" Requires="p14">
+  <mc:AlternateContent xmlns:mc="http://schemas.openxmlformats.org/markup-compatibility/2006" xmlns:p14="http://schemas.microsoft.com/office/powerpoint/2010/main">
+    <mc:Choice Requires="p14">
       <p:transition spd="med" p14:dur="700">
         <p:fade/>
       </p:transition>
     </mc:Choice>
-    <mc:Fallback>
+    <mc:Fallback xmlns="">
       <p:transition spd="med">
         <p:fade/>
       </p:transition>
@@ -11679,13 +11679,13 @@
   <p:clrMapOvr>
     <a:masterClrMapping/>
   </p:clrMapOvr>
-  <mc:AlternateContent xmlns:mc="http://schemas.openxmlformats.org/markup-compatibility/2006">
-    <mc:Choice xmlns:p14="http://schemas.microsoft.com/office/powerpoint/2010/main" Requires="p14">
+  <mc:AlternateContent xmlns:mc="http://schemas.openxmlformats.org/markup-compatibility/2006" xmlns:p14="http://schemas.microsoft.com/office/powerpoint/2010/main">
+    <mc:Choice Requires="p14">
       <p:transition spd="med" p14:dur="700">
         <p:fade/>
       </p:transition>
     </mc:Choice>
-    <mc:Fallback>
+    <mc:Fallback xmlns="">
       <p:transition spd="med">
         <p:fade/>
       </p:transition>
@@ -11746,8 +11746,8 @@
           </a:p>
         </p:txBody>
       </p:sp>
-      <mc:AlternateContent xmlns:mc="http://schemas.openxmlformats.org/markup-compatibility/2006">
-        <mc:Choice xmlns:a14="http://schemas.microsoft.com/office/drawing/2010/main" Requires="a14">
+      <mc:AlternateContent xmlns:mc="http://schemas.openxmlformats.org/markup-compatibility/2006" xmlns:a14="http://schemas.microsoft.com/office/drawing/2010/main">
+        <mc:Choice Requires="a14">
           <p:sp>
             <p:nvSpPr>
               <p:cNvPr id="7" name="TextBox 6">
@@ -12020,7 +12020,7 @@
             </p:txBody>
           </p:sp>
         </mc:Choice>
-        <mc:Fallback>
+        <mc:Fallback xmlns="">
           <p:sp>
             <p:nvSpPr>
               <p:cNvPr id="7" name="TextBox 6">
@@ -12075,13 +12075,13 @@
   <p:clrMapOvr>
     <a:masterClrMapping/>
   </p:clrMapOvr>
-  <mc:AlternateContent xmlns:mc="http://schemas.openxmlformats.org/markup-compatibility/2006">
-    <mc:Choice xmlns:p14="http://schemas.microsoft.com/office/powerpoint/2010/main" Requires="p14">
+  <mc:AlternateContent xmlns:mc="http://schemas.openxmlformats.org/markup-compatibility/2006" xmlns:p14="http://schemas.microsoft.com/office/powerpoint/2010/main">
+    <mc:Choice Requires="p14">
       <p:transition spd="med" p14:dur="700">
         <p:fade/>
       </p:transition>
     </mc:Choice>
-    <mc:Fallback>
+    <mc:Fallback xmlns="">
       <p:transition spd="med">
         <p:fade/>
       </p:transition>
@@ -12142,8 +12142,8 @@
           </a:p>
         </p:txBody>
       </p:sp>
-      <mc:AlternateContent xmlns:mc="http://schemas.openxmlformats.org/markup-compatibility/2006">
-        <mc:Choice xmlns:a14="http://schemas.microsoft.com/office/drawing/2010/main" Requires="a14">
+      <mc:AlternateContent xmlns:mc="http://schemas.openxmlformats.org/markup-compatibility/2006" xmlns:a14="http://schemas.microsoft.com/office/drawing/2010/main">
+        <mc:Choice Requires="a14">
           <p:sp>
             <p:nvSpPr>
               <p:cNvPr id="7" name="TextBox 6">
@@ -12375,7 +12375,7 @@
             </p:txBody>
           </p:sp>
         </mc:Choice>
-        <mc:Fallback>
+        <mc:Fallback xmlns="">
           <p:sp>
             <p:nvSpPr>
               <p:cNvPr id="7" name="TextBox 6">
@@ -12430,13 +12430,13 @@
   <p:clrMapOvr>
     <a:masterClrMapping/>
   </p:clrMapOvr>
-  <mc:AlternateContent xmlns:mc="http://schemas.openxmlformats.org/markup-compatibility/2006">
-    <mc:Choice xmlns:p14="http://schemas.microsoft.com/office/powerpoint/2010/main" Requires="p14">
+  <mc:AlternateContent xmlns:mc="http://schemas.openxmlformats.org/markup-compatibility/2006" xmlns:p14="http://schemas.microsoft.com/office/powerpoint/2010/main">
+    <mc:Choice Requires="p14">
       <p:transition spd="med" p14:dur="700">
         <p:fade/>
       </p:transition>
     </mc:Choice>
-    <mc:Fallback>
+    <mc:Fallback xmlns="">
       <p:transition spd="med">
         <p:fade/>
       </p:transition>
@@ -12497,8 +12497,8 @@
           </a:p>
         </p:txBody>
       </p:sp>
-      <mc:AlternateContent xmlns:mc="http://schemas.openxmlformats.org/markup-compatibility/2006">
-        <mc:Choice xmlns:a14="http://schemas.microsoft.com/office/drawing/2010/main" Requires="a14">
+      <mc:AlternateContent xmlns:mc="http://schemas.openxmlformats.org/markup-compatibility/2006" xmlns:a14="http://schemas.microsoft.com/office/drawing/2010/main">
+        <mc:Choice Requires="a14">
           <p:sp>
             <p:nvSpPr>
               <p:cNvPr id="7" name="TextBox 6">
@@ -12862,7 +12862,7 @@
             </p:txBody>
           </p:sp>
         </mc:Choice>
-        <mc:Fallback>
+        <mc:Fallback xmlns="">
           <p:sp>
             <p:nvSpPr>
               <p:cNvPr id="7" name="TextBox 6">
@@ -12917,13 +12917,13 @@
   <p:clrMapOvr>
     <a:masterClrMapping/>
   </p:clrMapOvr>
-  <mc:AlternateContent xmlns:mc="http://schemas.openxmlformats.org/markup-compatibility/2006">
-    <mc:Choice xmlns:p14="http://schemas.microsoft.com/office/powerpoint/2010/main" Requires="p14">
+  <mc:AlternateContent xmlns:mc="http://schemas.openxmlformats.org/markup-compatibility/2006" xmlns:p14="http://schemas.microsoft.com/office/powerpoint/2010/main">
+    <mc:Choice Requires="p14">
       <p:transition spd="med" p14:dur="700">
         <p:fade/>
       </p:transition>
     </mc:Choice>
-    <mc:Fallback>
+    <mc:Fallback xmlns="">
       <p:transition spd="med">
         <p:fade/>
       </p:transition>
@@ -13680,6 +13680,15 @@
 </file>
 
 <file path=customXml/item1.xml><?xml version="1.0" encoding="utf-8"?>
+<?mso-contentType ?>
+<FormTemplates xmlns="http://schemas.microsoft.com/sharepoint/v3/contenttype/forms">
+  <Display>DocumentLibraryForm</Display>
+  <Edit>AssetEditForm</Edit>
+  <New>DocumentLibraryForm</New>
+</FormTemplates>
+</file>
+
+<file path=customXml/item2.xml><?xml version="1.0" encoding="utf-8"?>
 <p:properties xmlns:p="http://schemas.microsoft.com/office/2006/metadata/properties" xmlns:xsi="http://www.w3.org/2001/XMLSchema-instance" xmlns:pc="http://schemas.microsoft.com/office/infopath/2007/PartnerControls">
   <documentManagement>
     <APDescription xmlns="4873beb7-5857-4685-be1f-d57550cc96cc" xsi:nil="true"/>
@@ -13803,15 +13812,6 @@
     <UANotes xmlns="4873beb7-5857-4685-be1f-d57550cc96cc" xsi:nil="true"/>
   </documentManagement>
 </p:properties>
-</file>
-
-<file path=customXml/item2.xml><?xml version="1.0" encoding="utf-8"?>
-<?mso-contentType ?>
-<FormTemplates xmlns="http://schemas.microsoft.com/sharepoint/v3/contenttype/forms">
-  <Display>DocumentLibraryForm</Display>
-  <Edit>AssetEditForm</Edit>
-  <New>DocumentLibraryForm</New>
-</FormTemplates>
 </file>
 
 <file path=customXml/item3.xml><?xml version="1.0" encoding="utf-8"?>
@@ -14855,6 +14855,14 @@
 </file>
 
 <file path=customXml/itemProps1.xml><?xml version="1.0" encoding="utf-8"?>
+<ds:datastoreItem xmlns:ds="http://schemas.openxmlformats.org/officeDocument/2006/customXml" ds:itemID="{561E720F-F05D-4536-9C34-0CFCED65D3B7}">
+  <ds:schemaRefs>
+    <ds:schemaRef ds:uri="http://schemas.microsoft.com/sharepoint/v3/contenttype/forms"/>
+  </ds:schemaRefs>
+</ds:datastoreItem>
+</file>
+
+<file path=customXml/itemProps2.xml><?xml version="1.0" encoding="utf-8"?>
 <ds:datastoreItem xmlns:ds="http://schemas.openxmlformats.org/officeDocument/2006/customXml" ds:itemID="{8CDDBB83-77C1-4099-A0AA-289882E745E2}">
   <ds:schemaRefs>
     <ds:schemaRef ds:uri="http://purl.org/dc/elements/1.1/"/>
@@ -14866,14 +14874,6 @@
     <ds:schemaRef ds:uri="http://schemas.microsoft.com/office/infopath/2007/PartnerControls"/>
     <ds:schemaRef ds:uri="http://www.w3.org/XML/1998/namespace"/>
     <ds:schemaRef ds:uri="http://purl.org/dc/dcmitype/"/>
-  </ds:schemaRefs>
-</ds:datastoreItem>
-</file>
-
-<file path=customXml/itemProps2.xml><?xml version="1.0" encoding="utf-8"?>
-<ds:datastoreItem xmlns:ds="http://schemas.openxmlformats.org/officeDocument/2006/customXml" ds:itemID="{561E720F-F05D-4536-9C34-0CFCED65D3B7}">
-  <ds:schemaRefs>
-    <ds:schemaRef ds:uri="http://schemas.microsoft.com/sharepoint/v3/contenttype/forms"/>
   </ds:schemaRefs>
 </ds:datastoreItem>
 </file>
